--- a/mkdocs/docs/images/src/canary-%-based.pptx
+++ b/mkdocs/docs/images/src/canary-%-based.pptx
@@ -4032,41 +4032,6 @@
       </p:sp>
       <p:sp>
         <p:nvSpPr>
-          <p:cNvPr id="5" name="TextBox 4">
-            <a:extLst>
-              <a:ext uri="{FF2B5EF4-FFF2-40B4-BE49-F238E27FC236}">
-                <a16:creationId xmlns:a16="http://schemas.microsoft.com/office/drawing/2014/main" id="{2129025F-2A6A-8748-B81D-BDF446C06291}"/>
-              </a:ext>
-            </a:extLst>
-          </p:cNvPr>
-          <p:cNvSpPr txBox="1"/>
-          <p:nvPr/>
-        </p:nvSpPr>
-        <p:spPr>
-          <a:xfrm>
-            <a:off x="1760857" y="3770223"/>
-            <a:ext cx="1605504" cy="369332"/>
-          </a:xfrm>
-          <a:prstGeom prst="rect">
-            <a:avLst/>
-          </a:prstGeom>
-          <a:noFill/>
-        </p:spPr>
-        <p:txBody>
-          <a:bodyPr wrap="none" rtlCol="0">
-            <a:spAutoFit/>
-          </a:bodyPr>
-          <a:lstStyle/>
-          <a:p>
-            <a:r>
-              <a:rPr lang="en-US" dirty="0"/>
-              <a:t>Knative Service</a:t>
-            </a:r>
-          </a:p>
-        </p:txBody>
-      </p:sp>
-      <p:sp>
-        <p:nvSpPr>
           <p:cNvPr id="6" name="Rounded Rectangle 5">
             <a:extLst>
               <a:ext uri="{FF2B5EF4-FFF2-40B4-BE49-F238E27FC236}">
@@ -4251,7 +4216,7 @@
                   <a:schemeClr val="bg1"/>
                 </a:solidFill>
               </a:rPr>
-              <a:t>v1.0</a:t>
+              <a:t>v1</a:t>
             </a:r>
           </a:p>
         </p:txBody>
@@ -4316,7 +4281,7 @@
                   <a:schemeClr val="bg1"/>
                 </a:solidFill>
               </a:rPr>
-              <a:t>v2.0</a:t>
+              <a:t>v2</a:t>
             </a:r>
           </a:p>
         </p:txBody>
@@ -5066,7 +5031,7 @@
                   <a:schemeClr val="bg1"/>
                 </a:solidFill>
               </a:rPr>
-              <a:t>v1.0</a:t>
+              <a:t>v1</a:t>
             </a:r>
           </a:p>
         </p:txBody>
@@ -5131,7 +5096,7 @@
                   <a:schemeClr val="bg1"/>
                 </a:solidFill>
               </a:rPr>
-              <a:t>v2.0</a:t>
+              <a:t>v2</a:t>
             </a:r>
           </a:p>
         </p:txBody>
@@ -5578,7 +5543,7 @@
                   <a:schemeClr val="bg1"/>
                 </a:solidFill>
               </a:rPr>
-              <a:t>v2.0</a:t>
+              <a:t>v2</a:t>
             </a:r>
           </a:p>
         </p:txBody>
@@ -6220,7 +6185,7 @@
                   <a:schemeClr val="bg1"/>
                 </a:solidFill>
               </a:rPr>
-              <a:t>v1.0</a:t>
+              <a:t>v1</a:t>
             </a:r>
           </a:p>
         </p:txBody>
@@ -6347,7 +6312,7 @@
         </p:nvSpPr>
         <p:spPr>
           <a:xfrm>
-            <a:off x="10738909" y="4026533"/>
+            <a:off x="10644319" y="4026533"/>
             <a:ext cx="1170215" cy="674914"/>
           </a:xfrm>
           <a:prstGeom prst="roundRect">
@@ -6410,7 +6375,7 @@
         </p:nvSpPr>
         <p:spPr>
           <a:xfrm>
-            <a:off x="10597395" y="4136604"/>
+            <a:off x="10502805" y="4136604"/>
             <a:ext cx="1170215" cy="674914"/>
           </a:xfrm>
           <a:prstGeom prst="roundRect">
@@ -6461,10 +6426,10 @@
       </p:sp>
       <p:sp>
         <p:nvSpPr>
-          <p:cNvPr id="81" name="Curved Up Arrow 80">
-            <a:extLst>
-              <a:ext uri="{FF2B5EF4-FFF2-40B4-BE49-F238E27FC236}">
-                <a16:creationId xmlns:a16="http://schemas.microsoft.com/office/drawing/2014/main" id="{997716B1-DB6A-3649-A098-87CDEBD0D37C}"/>
+          <p:cNvPr id="78" name="Rounded Rectangle 77">
+            <a:extLst>
+              <a:ext uri="{FF2B5EF4-FFF2-40B4-BE49-F238E27FC236}">
+                <a16:creationId xmlns:a16="http://schemas.microsoft.com/office/drawing/2014/main" id="{EB9A4526-2D91-E145-92B1-C550C86DE743}"/>
               </a:ext>
             </a:extLst>
           </p:cNvPr>
@@ -6472,23 +6437,19 @@
           <p:nvPr/>
         </p:nvSpPr>
         <p:spPr>
-          <a:xfrm flipV="1">
-            <a:off x="9733003" y="3440213"/>
-            <a:ext cx="1212521" cy="397329"/>
-          </a:xfrm>
-          <a:prstGeom prst="curvedUpArrow">
-            <a:avLst>
-              <a:gd name="adj1" fmla="val 13236"/>
-              <a:gd name="adj2" fmla="val 50000"/>
-              <a:gd name="adj3" fmla="val 25000"/>
-            </a:avLst>
+          <a:xfrm>
+            <a:off x="10372176" y="4272676"/>
+            <a:ext cx="1170215" cy="674914"/>
+          </a:xfrm>
+          <a:prstGeom prst="roundRect">
+            <a:avLst/>
           </a:prstGeom>
           <a:solidFill>
             <a:schemeClr val="accent6">
               <a:lumMod val="75000"/>
             </a:schemeClr>
           </a:solidFill>
-          <a:ln>
+          <a:ln w="19050">
             <a:solidFill>
               <a:schemeClr val="accent6">
                 <a:lumMod val="50000"/>
@@ -6517,85 +6478,23 @@
           <a:lstStyle/>
           <a:p>
             <a:pPr algn="ctr"/>
-            <a:endParaRPr lang="en-US">
-              <a:solidFill>
-                <a:schemeClr val="tx1"/>
-              </a:solidFill>
-            </a:endParaRPr>
-          </a:p>
-        </p:txBody>
-      </p:sp>
-      <p:sp>
-        <p:nvSpPr>
-          <p:cNvPr id="78" name="Rounded Rectangle 77">
-            <a:extLst>
-              <a:ext uri="{FF2B5EF4-FFF2-40B4-BE49-F238E27FC236}">
-                <a16:creationId xmlns:a16="http://schemas.microsoft.com/office/drawing/2014/main" id="{EB9A4526-2D91-E145-92B1-C550C86DE743}"/>
-              </a:ext>
-            </a:extLst>
-          </p:cNvPr>
-          <p:cNvSpPr/>
-          <p:nvPr/>
-        </p:nvSpPr>
-        <p:spPr>
-          <a:xfrm>
-            <a:off x="10466766" y="4272676"/>
-            <a:ext cx="1170215" cy="674914"/>
-          </a:xfrm>
-          <a:prstGeom prst="roundRect">
-            <a:avLst/>
-          </a:prstGeom>
-          <a:solidFill>
-            <a:schemeClr val="accent6">
-              <a:lumMod val="75000"/>
-            </a:schemeClr>
-          </a:solidFill>
-          <a:ln w="19050">
-            <a:solidFill>
-              <a:schemeClr val="accent6">
-                <a:lumMod val="50000"/>
-              </a:schemeClr>
-            </a:solidFill>
-          </a:ln>
-        </p:spPr>
-        <p:style>
-          <a:lnRef idx="2">
-            <a:schemeClr val="accent1">
-              <a:shade val="50000"/>
-            </a:schemeClr>
-          </a:lnRef>
-          <a:fillRef idx="1">
-            <a:schemeClr val="accent1"/>
-          </a:fillRef>
-          <a:effectRef idx="0">
-            <a:schemeClr val="accent1"/>
-          </a:effectRef>
-          <a:fontRef idx="minor">
-            <a:schemeClr val="lt1"/>
-          </a:fontRef>
-        </p:style>
-        <p:txBody>
-          <a:bodyPr rtlCol="0" anchor="ctr"/>
-          <a:lstStyle/>
-          <a:p>
-            <a:pPr algn="ctr"/>
             <a:r>
               <a:rPr lang="en-US" dirty="0">
                 <a:solidFill>
                   <a:schemeClr val="bg1"/>
                 </a:solidFill>
               </a:rPr>
-              <a:t>v2.0</a:t>
-            </a:r>
-          </a:p>
-        </p:txBody>
-      </p:sp>
-      <p:sp>
-        <p:nvSpPr>
-          <p:cNvPr id="87" name="TextBox 86">
-            <a:extLst>
-              <a:ext uri="{FF2B5EF4-FFF2-40B4-BE49-F238E27FC236}">
-                <a16:creationId xmlns:a16="http://schemas.microsoft.com/office/drawing/2014/main" id="{C393DE16-BB71-B64F-B6B8-88E641D415CC}"/>
+              <a:t>v2</a:t>
+            </a:r>
+          </a:p>
+        </p:txBody>
+      </p:sp>
+      <p:sp>
+        <p:nvSpPr>
+          <p:cNvPr id="100" name="TextBox 99">
+            <a:extLst>
+              <a:ext uri="{FF2B5EF4-FFF2-40B4-BE49-F238E27FC236}">
+                <a16:creationId xmlns:a16="http://schemas.microsoft.com/office/drawing/2014/main" id="{FA43AE3F-A4AB-9849-AC8B-39910B87C88B}"/>
               </a:ext>
             </a:extLst>
           </p:cNvPr>
@@ -6604,42 +6503,7 @@
         </p:nvSpPr>
         <p:spPr>
           <a:xfrm>
-            <a:off x="10844159" y="3636825"/>
-            <a:ext cx="700833" cy="369332"/>
-          </a:xfrm>
-          <a:prstGeom prst="rect">
-            <a:avLst/>
-          </a:prstGeom>
-          <a:noFill/>
-        </p:spPr>
-        <p:txBody>
-          <a:bodyPr wrap="none" rtlCol="0">
-            <a:spAutoFit/>
-          </a:bodyPr>
-          <a:lstStyle/>
-          <a:p>
-            <a:r>
-              <a:rPr lang="en-US" dirty="0"/>
-              <a:t>100%</a:t>
-            </a:r>
-          </a:p>
-        </p:txBody>
-      </p:sp>
-      <p:sp>
-        <p:nvSpPr>
-          <p:cNvPr id="100" name="TextBox 99">
-            <a:extLst>
-              <a:ext uri="{FF2B5EF4-FFF2-40B4-BE49-F238E27FC236}">
-                <a16:creationId xmlns:a16="http://schemas.microsoft.com/office/drawing/2014/main" id="{FA43AE3F-A4AB-9849-AC8B-39910B87C88B}"/>
-              </a:ext>
-            </a:extLst>
-          </p:cNvPr>
-          <p:cNvSpPr txBox="1"/>
-          <p:nvPr/>
-        </p:nvSpPr>
-        <p:spPr>
-          <a:xfrm>
-            <a:off x="10630924" y="4911314"/>
+            <a:off x="10536334" y="4911314"/>
             <a:ext cx="841897" cy="369332"/>
           </a:xfrm>
           <a:prstGeom prst="rect">
@@ -6688,169 +6552,8 @@
         </p:blipFill>
         <p:spPr>
           <a:xfrm>
-            <a:off x="9887531" y="4324650"/>
+            <a:off x="9792941" y="4324650"/>
             <a:ext cx="570967" cy="570967"/>
-          </a:xfrm>
-          <a:prstGeom prst="rect">
-            <a:avLst/>
-          </a:prstGeom>
-        </p:spPr>
-      </p:pic>
-      <p:sp>
-        <p:nvSpPr>
-          <p:cNvPr id="102" name="TextBox 101">
-            <a:extLst>
-              <a:ext uri="{FF2B5EF4-FFF2-40B4-BE49-F238E27FC236}">
-                <a16:creationId xmlns:a16="http://schemas.microsoft.com/office/drawing/2014/main" id="{6DFFBD1D-E009-2247-8126-23F5D69904AA}"/>
-              </a:ext>
-            </a:extLst>
-          </p:cNvPr>
-          <p:cNvSpPr txBox="1"/>
-          <p:nvPr/>
-        </p:nvSpPr>
-        <p:spPr>
-          <a:xfrm>
-            <a:off x="10416177" y="2300125"/>
-            <a:ext cx="1163460" cy="369332"/>
-          </a:xfrm>
-          <a:prstGeom prst="rect">
-            <a:avLst/>
-          </a:prstGeom>
-          <a:noFill/>
-        </p:spPr>
-        <p:txBody>
-          <a:bodyPr wrap="none" rtlCol="0">
-            <a:spAutoFit/>
-          </a:bodyPr>
-          <a:lstStyle/>
-          <a:p>
-            <a:r>
-              <a:rPr lang="en-US" dirty="0"/>
-              <a:t>Objectives</a:t>
-            </a:r>
-          </a:p>
-        </p:txBody>
-      </p:sp>
-      <p:pic>
-        <p:nvPicPr>
-          <p:cNvPr id="103" name="Graphic 102" descr="Checkbox Checked">
-            <a:extLst>
-              <a:ext uri="{FF2B5EF4-FFF2-40B4-BE49-F238E27FC236}">
-                <a16:creationId xmlns:a16="http://schemas.microsoft.com/office/drawing/2014/main" id="{1F6CF591-0BC9-4F4A-AD1F-61DE36FE6A00}"/>
-              </a:ext>
-            </a:extLst>
-          </p:cNvPr>
-          <p:cNvPicPr>
-            <a:picLocks noChangeAspect="1"/>
-          </p:cNvPicPr>
-          <p:nvPr/>
-        </p:nvPicPr>
-        <p:blipFill>
-          <a:blip r:embed="rId26">
-            <a:extLst>
-              <a:ext uri="{96DAC541-7B7A-43D3-8B79-37D633B846F1}">
-                <asvg:svgBlip xmlns:asvg="http://schemas.microsoft.com/office/drawing/2016/SVG/main" r:embed="rId27"/>
-              </a:ext>
-            </a:extLst>
-          </a:blip>
-          <a:stretch>
-            <a:fillRect/>
-          </a:stretch>
-        </p:blipFill>
-        <p:spPr>
-          <a:xfrm>
-            <a:off x="9906110" y="2217887"/>
-            <a:ext cx="533808" cy="533808"/>
-          </a:xfrm>
-          <a:prstGeom prst="rect">
-            <a:avLst/>
-          </a:prstGeom>
-        </p:spPr>
-      </p:pic>
-      <p:sp>
-        <p:nvSpPr>
-          <p:cNvPr id="91" name="Rounded Rectangle 90">
-            <a:extLst>
-              <a:ext uri="{FF2B5EF4-FFF2-40B4-BE49-F238E27FC236}">
-                <a16:creationId xmlns:a16="http://schemas.microsoft.com/office/drawing/2014/main" id="{8ED85D70-8E1C-F14D-B23D-4077C7959F05}"/>
-              </a:ext>
-            </a:extLst>
-          </p:cNvPr>
-          <p:cNvSpPr/>
-          <p:nvPr/>
-        </p:nvSpPr>
-        <p:spPr>
-          <a:xfrm>
-            <a:off x="9554237" y="2861854"/>
-            <a:ext cx="816445" cy="1041636"/>
-          </a:xfrm>
-          <a:prstGeom prst="roundRect">
-            <a:avLst/>
-          </a:prstGeom>
-          <a:solidFill>
-            <a:schemeClr val="bg1"/>
-          </a:solidFill>
-          <a:ln>
-            <a:solidFill>
-              <a:schemeClr val="bg1"/>
-            </a:solidFill>
-          </a:ln>
-        </p:spPr>
-        <p:style>
-          <a:lnRef idx="2">
-            <a:schemeClr val="accent1">
-              <a:shade val="50000"/>
-            </a:schemeClr>
-          </a:lnRef>
-          <a:fillRef idx="1">
-            <a:schemeClr val="accent1"/>
-          </a:fillRef>
-          <a:effectRef idx="0">
-            <a:schemeClr val="accent1"/>
-          </a:effectRef>
-          <a:fontRef idx="minor">
-            <a:schemeClr val="lt1"/>
-          </a:fontRef>
-        </p:style>
-        <p:txBody>
-          <a:bodyPr rtlCol="0" anchor="ctr"/>
-          <a:lstStyle/>
-          <a:p>
-            <a:pPr algn="ctr"/>
-            <a:endParaRPr lang="en-US"/>
-          </a:p>
-        </p:txBody>
-      </p:sp>
-      <p:pic>
-        <p:nvPicPr>
-          <p:cNvPr id="86" name="Graphic 85" descr="Server">
-            <a:extLst>
-              <a:ext uri="{FF2B5EF4-FFF2-40B4-BE49-F238E27FC236}">
-                <a16:creationId xmlns:a16="http://schemas.microsoft.com/office/drawing/2014/main" id="{AE6F46A2-DAB4-724C-9EC0-D2CB4BF59802}"/>
-              </a:ext>
-            </a:extLst>
-          </p:cNvPr>
-          <p:cNvPicPr>
-            <a:picLocks noChangeAspect="1"/>
-          </p:cNvPicPr>
-          <p:nvPr/>
-        </p:nvPicPr>
-        <p:blipFill>
-          <a:blip r:embed="rId22">
-            <a:extLst>
-              <a:ext uri="{96DAC541-7B7A-43D3-8B79-37D633B846F1}">
-                <asvg:svgBlip xmlns:asvg="http://schemas.microsoft.com/office/drawing/2016/SVG/main" r:embed="rId23"/>
-              </a:ext>
-            </a:extLst>
-          </a:blip>
-          <a:stretch>
-            <a:fillRect/>
-          </a:stretch>
-        </p:blipFill>
-        <p:spPr>
-          <a:xfrm>
-            <a:off x="9586454" y="2989090"/>
-            <a:ext cx="914400" cy="914400"/>
           </a:xfrm>
           <a:prstGeom prst="rect">
             <a:avLst/>
